--- a/ESN_vs_CNNLSTM_amazon.pptx
+++ b/ESN_vs_CNNLSTM_amazon.pptx
@@ -114,6 +114,11 @@
       </a:defRPr>
     </a:lvl9pPr>
   </p:defaultTextStyle>
+  <p:extLst>
+    <p:ext uri="{EFAFB233-063F-42B5-8137-9DF3F51BA10A}">
+      <p15:sldGuideLst xmlns:p15="http://schemas.microsoft.com/office/powerpoint/2012/main"/>
+    </p:ext>
+  </p:extLst>
 </p:presentation>
 </file>
 
@@ -199,7 +204,7 @@
           <a:p>
             <a:fld id="{611B25C6-E7A6-524E-BDB0-1E8EEA8929B0}" type="datetimeFigureOut">
               <a:rPr lang="de-DE" smtClean="0"/>
-              <a:t>03.02.22</a:t>
+              <a:t>04.02.22</a:t>
             </a:fld>
             <a:endParaRPr lang="de-DE"/>
           </a:p>
@@ -781,7 +786,7 @@
           <a:p>
             <a:fld id="{97F81D9D-7720-E548-8D5C-2DA4E5349B80}" type="datetimeFigureOut">
               <a:rPr lang="de-DE" smtClean="0"/>
-              <a:t>03.02.22</a:t>
+              <a:t>04.02.22</a:t>
             </a:fld>
             <a:endParaRPr lang="de-DE"/>
           </a:p>
@@ -979,7 +984,7 @@
           <a:p>
             <a:fld id="{97F81D9D-7720-E548-8D5C-2DA4E5349B80}" type="datetimeFigureOut">
               <a:rPr lang="de-DE" smtClean="0"/>
-              <a:t>03.02.22</a:t>
+              <a:t>04.02.22</a:t>
             </a:fld>
             <a:endParaRPr lang="de-DE"/>
           </a:p>
@@ -1187,7 +1192,7 @@
           <a:p>
             <a:fld id="{97F81D9D-7720-E548-8D5C-2DA4E5349B80}" type="datetimeFigureOut">
               <a:rPr lang="de-DE" smtClean="0"/>
-              <a:t>03.02.22</a:t>
+              <a:t>04.02.22</a:t>
             </a:fld>
             <a:endParaRPr lang="de-DE"/>
           </a:p>
@@ -1385,7 +1390,7 @@
           <a:p>
             <a:fld id="{97F81D9D-7720-E548-8D5C-2DA4E5349B80}" type="datetimeFigureOut">
               <a:rPr lang="de-DE" smtClean="0"/>
-              <a:t>03.02.22</a:t>
+              <a:t>04.02.22</a:t>
             </a:fld>
             <a:endParaRPr lang="de-DE"/>
           </a:p>
@@ -1660,7 +1665,7 @@
           <a:p>
             <a:fld id="{97F81D9D-7720-E548-8D5C-2DA4E5349B80}" type="datetimeFigureOut">
               <a:rPr lang="de-DE" smtClean="0"/>
-              <a:t>03.02.22</a:t>
+              <a:t>04.02.22</a:t>
             </a:fld>
             <a:endParaRPr lang="de-DE"/>
           </a:p>
@@ -1925,7 +1930,7 @@
           <a:p>
             <a:fld id="{97F81D9D-7720-E548-8D5C-2DA4E5349B80}" type="datetimeFigureOut">
               <a:rPr lang="de-DE" smtClean="0"/>
-              <a:t>03.02.22</a:t>
+              <a:t>04.02.22</a:t>
             </a:fld>
             <a:endParaRPr lang="de-DE"/>
           </a:p>
@@ -2337,7 +2342,7 @@
           <a:p>
             <a:fld id="{97F81D9D-7720-E548-8D5C-2DA4E5349B80}" type="datetimeFigureOut">
               <a:rPr lang="de-DE" smtClean="0"/>
-              <a:t>03.02.22</a:t>
+              <a:t>04.02.22</a:t>
             </a:fld>
             <a:endParaRPr lang="de-DE"/>
           </a:p>
@@ -2478,7 +2483,7 @@
           <a:p>
             <a:fld id="{97F81D9D-7720-E548-8D5C-2DA4E5349B80}" type="datetimeFigureOut">
               <a:rPr lang="de-DE" smtClean="0"/>
-              <a:t>03.02.22</a:t>
+              <a:t>04.02.22</a:t>
             </a:fld>
             <a:endParaRPr lang="de-DE"/>
           </a:p>
@@ -2591,7 +2596,7 @@
           <a:p>
             <a:fld id="{97F81D9D-7720-E548-8D5C-2DA4E5349B80}" type="datetimeFigureOut">
               <a:rPr lang="de-DE" smtClean="0"/>
-              <a:t>03.02.22</a:t>
+              <a:t>04.02.22</a:t>
             </a:fld>
             <a:endParaRPr lang="de-DE"/>
           </a:p>
@@ -2902,7 +2907,7 @@
           <a:p>
             <a:fld id="{97F81D9D-7720-E548-8D5C-2DA4E5349B80}" type="datetimeFigureOut">
               <a:rPr lang="de-DE" smtClean="0"/>
-              <a:t>03.02.22</a:t>
+              <a:t>04.02.22</a:t>
             </a:fld>
             <a:endParaRPr lang="de-DE"/>
           </a:p>
@@ -3190,7 +3195,7 @@
           <a:p>
             <a:fld id="{97F81D9D-7720-E548-8D5C-2DA4E5349B80}" type="datetimeFigureOut">
               <a:rPr lang="de-DE" smtClean="0"/>
-              <a:t>03.02.22</a:t>
+              <a:t>04.02.22</a:t>
             </a:fld>
             <a:endParaRPr lang="de-DE"/>
           </a:p>
@@ -3431,7 +3436,7 @@
           <a:p>
             <a:fld id="{97F81D9D-7720-E548-8D5C-2DA4E5349B80}" type="datetimeFigureOut">
               <a:rPr lang="de-DE" smtClean="0"/>
-              <a:t>03.02.22</a:t>
+              <a:t>04.02.22</a:t>
             </a:fld>
             <a:endParaRPr lang="de-DE"/>
           </a:p>
@@ -4405,7 +4410,7 @@
             </a:r>
             <a:r>
               <a:rPr lang="de-DE" dirty="0"/>
-              <a:t>: CNN/SLTM 16d, ESN 1500d.</a:t>
+              <a:t>: CNN/LSTM 16d, ESN 1500d.</a:t>
             </a:r>
           </a:p>
           <a:p>
@@ -5079,6 +5084,46 @@
           </a:p>
         </p:txBody>
       </p:sp>
+      <p:sp>
+        <p:nvSpPr>
+          <p:cNvPr id="3" name="Textfeld 2">
+            <a:extLst>
+              <a:ext uri="{FF2B5EF4-FFF2-40B4-BE49-F238E27FC236}">
+                <a16:creationId xmlns:a16="http://schemas.microsoft.com/office/drawing/2014/main" id="{01B7B77E-7CE8-F84E-9FB2-910265935D0F}"/>
+              </a:ext>
+            </a:extLst>
+          </p:cNvPr>
+          <p:cNvSpPr txBox="1"/>
+          <p:nvPr/>
+        </p:nvSpPr>
+        <p:spPr>
+          <a:xfrm>
+            <a:off x="5702158" y="5454650"/>
+            <a:ext cx="1900720" cy="307777"/>
+          </a:xfrm>
+          <a:prstGeom prst="rect">
+            <a:avLst/>
+          </a:prstGeom>
+          <a:noFill/>
+        </p:spPr>
+        <p:txBody>
+          <a:bodyPr wrap="square" rtlCol="0">
+            <a:spAutoFit/>
+          </a:bodyPr>
+          <a:lstStyle/>
+          <a:p>
+            <a:r>
+              <a:rPr lang="de-DE" sz="1400" dirty="0"/>
+              <a:t>rel. </a:t>
+            </a:r>
+            <a:r>
+              <a:rPr lang="de-DE" sz="1400" dirty="0" err="1"/>
+              <a:t>changes</a:t>
+            </a:r>
+            <a:endParaRPr lang="de-DE" sz="1400" dirty="0"/>
+          </a:p>
+        </p:txBody>
+      </p:sp>
     </p:spTree>
     <p:extLst>
       <p:ext uri="{BB962C8B-B14F-4D97-AF65-F5344CB8AC3E}">
@@ -5314,7 +5359,7 @@
         </p:blipFill>
         <p:spPr bwMode="auto">
           <a:xfrm>
-            <a:off x="463550" y="1691026"/>
+            <a:off x="463550" y="1855410"/>
             <a:ext cx="11264900" cy="4051300"/>
           </a:xfrm>
           <a:prstGeom prst="rect">
@@ -5346,8 +5391,8 @@
         </p:nvSpPr>
         <p:spPr>
           <a:xfrm>
-            <a:off x="1160979" y="213698"/>
-            <a:ext cx="7941924" cy="1477328"/>
+            <a:off x="1160978" y="213698"/>
+            <a:ext cx="10294707" cy="1754326"/>
           </a:xfrm>
           <a:prstGeom prst="rect">
             <a:avLst/>
@@ -5590,7 +5635,119 @@
             </a:r>
             <a:r>
               <a:rPr lang="de-DE" dirty="0"/>
-              <a:t>.</a:t>
+              <a:t>. But </a:t>
+            </a:r>
+            <a:r>
+              <a:rPr lang="de-DE" dirty="0" err="1"/>
+              <a:t>keep</a:t>
+            </a:r>
+            <a:r>
+              <a:rPr lang="de-DE" dirty="0"/>
+              <a:t> in </a:t>
+            </a:r>
+            <a:r>
+              <a:rPr lang="de-DE" dirty="0" err="1"/>
+              <a:t>mind</a:t>
+            </a:r>
+            <a:r>
+              <a:rPr lang="de-DE" dirty="0"/>
+              <a:t> </a:t>
+            </a:r>
+            <a:r>
+              <a:rPr lang="de-DE" dirty="0" err="1"/>
+              <a:t>that</a:t>
+            </a:r>
+            <a:r>
+              <a:rPr lang="de-DE" dirty="0"/>
+              <a:t> </a:t>
+            </a:r>
+            <a:r>
+              <a:rPr lang="de-DE" dirty="0" err="1"/>
+              <a:t>we</a:t>
+            </a:r>
+            <a:r>
+              <a:rPr lang="de-DE" dirty="0"/>
+              <a:t> </a:t>
+            </a:r>
+            <a:r>
+              <a:rPr lang="de-DE" dirty="0" err="1"/>
+              <a:t>compare</a:t>
+            </a:r>
+            <a:r>
+              <a:rPr lang="de-DE" dirty="0"/>
+              <a:t> „high-end“ CNN/LSTM </a:t>
+            </a:r>
+            <a:r>
+              <a:rPr lang="de-DE" dirty="0" err="1"/>
+              <a:t>with</a:t>
+            </a:r>
+            <a:r>
+              <a:rPr lang="de-DE" dirty="0"/>
+              <a:t> „</a:t>
+            </a:r>
+            <a:r>
+              <a:rPr lang="de-DE" dirty="0" err="1"/>
+              <a:t>basic</a:t>
+            </a:r>
+            <a:r>
+              <a:rPr lang="de-DE" dirty="0"/>
+              <a:t>-basic-basic“ ESN. The </a:t>
+            </a:r>
+            <a:r>
+              <a:rPr lang="de-DE" dirty="0" err="1"/>
+              <a:t>latter</a:t>
+            </a:r>
+            <a:r>
+              <a:rPr lang="de-DE" dirty="0"/>
+              <a:t> </a:t>
+            </a:r>
+            <a:r>
+              <a:rPr lang="de-DE" dirty="0" err="1"/>
+              <a:t>has</a:t>
+            </a:r>
+            <a:r>
+              <a:rPr lang="de-DE" dirty="0"/>
+              <a:t> </a:t>
+            </a:r>
+            <a:r>
+              <a:rPr lang="de-DE" dirty="0" err="1"/>
+              <a:t>probably</a:t>
+            </a:r>
+            <a:r>
+              <a:rPr lang="de-DE" dirty="0"/>
+              <a:t> </a:t>
+            </a:r>
+            <a:r>
+              <a:rPr lang="de-DE" dirty="0" err="1"/>
+              <a:t>more</a:t>
+            </a:r>
+            <a:r>
+              <a:rPr lang="de-DE" dirty="0"/>
+              <a:t> </a:t>
+            </a:r>
+            <a:r>
+              <a:rPr lang="de-DE" dirty="0" err="1"/>
+              <a:t>room</a:t>
+            </a:r>
+            <a:r>
+              <a:rPr lang="de-DE" dirty="0"/>
+              <a:t> </a:t>
+            </a:r>
+            <a:r>
+              <a:rPr lang="de-DE" dirty="0" err="1"/>
+              <a:t>for</a:t>
+            </a:r>
+            <a:r>
+              <a:rPr lang="de-DE" dirty="0"/>
+              <a:t> </a:t>
+            </a:r>
+            <a:r>
+              <a:rPr lang="de-DE" dirty="0" err="1"/>
+              <a:t>optimization</a:t>
+            </a:r>
+            <a:r>
+              <a:rPr lang="de-DE" dirty="0"/>
+              <a:t>!</a:t>
             </a:r>
           </a:p>
           <a:p>
